--- a/开题PPT/MBA论文开题报告_201632110462周杨.pptx
+++ b/开题PPT/MBA论文开题报告_201632110462周杨.pptx
@@ -8380,7 +8380,7 @@
               <a:ea typeface="STZhongsong" panose="02010600040101010101" pitchFamily="2" charset="-122"/>
               <a:cs typeface="+mn-cs"/>
             </a:rPr>
-            <a:t>研究相关资料</a:t>
+            <a:t>相关资料</a:t>
           </a:r>
           <a:endParaRPr lang="zh-CN" altLang="en-US" sz="2000" kern="1200" dirty="0">
             <a:solidFill>
@@ -8441,7 +8441,7 @@
               <a:latin typeface="STZhongsong" panose="02010600040101010101" pitchFamily="2" charset="-122"/>
               <a:ea typeface="STZhongsong" panose="02010600040101010101" pitchFamily="2" charset="-122"/>
             </a:rPr>
-            <a:t>公司研发部门已连续工作</a:t>
+            <a:t>公司研发部门已工作</a:t>
           </a:r>
           <a:r>
             <a:rPr lang="en-US" sz="1800" kern="1200" dirty="0">
@@ -8455,7 +8455,7 @@
               <a:latin typeface="STZhongsong" panose="02010600040101010101" pitchFamily="2" charset="-122"/>
               <a:ea typeface="STZhongsong" panose="02010600040101010101" pitchFamily="2" charset="-122"/>
             </a:rPr>
-            <a:t>年，一直从事国防技术研发工作，同时兼任研发部门的知识产权管理工作，熟悉公司的技术研发体系、知识产权保护现状等基本情况，在国防领域技术研发、知识产权保护方面积累了较多的实践经验。</a:t>
+            <a:t>年，一直从事国防技术研发工作，同时兼任研发部门的知识产权管理工作，熟悉公司的技术研发体系、知识产权保护现状等基本情况，在国防领域技术研发、知识产权保护方面积累了较多的实践经验</a:t>
           </a:r>
           <a:endParaRPr lang="zh-CN" altLang="en-US" sz="1800" kern="1200" dirty="0">
             <a:solidFill>
@@ -8502,7 +8502,14 @@
               <a:latin typeface="STZhongsong" panose="02010600040101010101" pitchFamily="2" charset="-122"/>
               <a:ea typeface="STZhongsong" panose="02010600040101010101" pitchFamily="2" charset="-122"/>
             </a:rPr>
-            <a:t>在日常工作中，通过集团公司合理的渠道可以获取一定的国防技术创新成果以及知识产权保护相关资料（公开的），为论文的研究提供最新的素材。</a:t>
+            <a:t>在日常工作中，通过集团公司合理的渠道可以获取一定的国防技术创新成果以及知识产权保护相关资料（公开的），为论文的</a:t>
+          </a:r>
+          <a:r>
+            <a:rPr lang="zh-CN" sz="1800" kern="1200">
+              <a:latin typeface="STZhongsong" panose="02010600040101010101" pitchFamily="2" charset="-122"/>
+              <a:ea typeface="STZhongsong" panose="02010600040101010101" pitchFamily="2" charset="-122"/>
+            </a:rPr>
+            <a:t>研究提供素材</a:t>
           </a:r>
           <a:endParaRPr lang="zh-CN" altLang="en-US" sz="1800" kern="1200" dirty="0">
             <a:solidFill>
@@ -9354,7 +9361,7 @@
             <a:buNone/>
           </a:pPr>
           <a:r>
-            <a:rPr lang="zh-CN" sz="1900" kern="1200" dirty="0">
+            <a:rPr lang="zh-CN" altLang="en-US" sz="1900" kern="1200" dirty="0">
               <a:latin typeface="STZhongsong" panose="02010600040101010101" pitchFamily="2" charset="-122"/>
               <a:ea typeface="STZhongsong" panose="02010600040101010101" pitchFamily="2" charset="-122"/>
             </a:rPr>
@@ -9610,7 +9617,7 @@
             <a:buNone/>
           </a:pPr>
           <a:r>
-            <a:rPr lang="zh-CN" sz="1900" kern="1200" dirty="0">
+            <a:rPr lang="zh-CN" altLang="en-US" sz="1900" kern="1200" dirty="0">
               <a:latin typeface="STZhongsong" panose="02010600040101010101" pitchFamily="2" charset="-122"/>
               <a:ea typeface="STZhongsong" panose="02010600040101010101" pitchFamily="2" charset="-122"/>
             </a:rPr>
@@ -9866,7 +9873,7 @@
             <a:buNone/>
           </a:pPr>
           <a:r>
-            <a:rPr lang="zh-CN" sz="1900" kern="1200" dirty="0">
+            <a:rPr lang="zh-CN" altLang="en-US" sz="1900" kern="1200" dirty="0">
               <a:latin typeface="STZhongsong" panose="02010600040101010101" pitchFamily="2" charset="-122"/>
               <a:ea typeface="STZhongsong" panose="02010600040101010101" pitchFamily="2" charset="-122"/>
             </a:rPr>
@@ -10859,7 +10866,7 @@
             <a:buChar char="•"/>
           </a:pPr>
           <a:r>
-            <a:rPr lang="zh-CN" sz="1200" kern="1200" dirty="0">
+            <a:rPr lang="zh-CN" altLang="en-US" sz="1200" kern="1200" dirty="0">
               <a:latin typeface="STZhongsong" panose="02010600040101010101" pitchFamily="2" charset="-122"/>
               <a:ea typeface="STZhongsong" panose="02010600040101010101" pitchFamily="2" charset="-122"/>
             </a:rPr>
@@ -10939,7 +10946,7 @@
             <a:buNone/>
           </a:pPr>
           <a:r>
-            <a:rPr lang="zh-CN" sz="1600" kern="1200" dirty="0">
+            <a:rPr lang="zh-CN" altLang="en-US" sz="1600" kern="1200" dirty="0">
               <a:latin typeface="STZhongsong" panose="02010600040101010101" pitchFamily="2" charset="-122"/>
               <a:ea typeface="STZhongsong" panose="02010600040101010101" pitchFamily="2" charset="-122"/>
             </a:rPr>
@@ -11313,7 +11320,7 @@
             <a:buChar char="•"/>
           </a:pPr>
           <a:r>
-            <a:rPr lang="zh-CN" sz="1200" kern="1200" dirty="0">
+            <a:rPr lang="zh-CN" altLang="en-US" sz="1200" kern="1200" dirty="0">
               <a:latin typeface="STZhongsong" panose="02010600040101010101" pitchFamily="2" charset="-122"/>
               <a:ea typeface="STZhongsong" panose="02010600040101010101" pitchFamily="2" charset="-122"/>
             </a:rPr>
@@ -12543,16 +12550,12 @@
             <a:buNone/>
           </a:pPr>
           <a:r>
-            <a:rPr lang="zh-CN" sz="1800" kern="1200" dirty="0">
+            <a:rPr lang="zh-CN" altLang="en-US" sz="1800" kern="1200" dirty="0">
               <a:latin typeface="STZhongsong" panose="02010600040101010101" pitchFamily="2" charset="-122"/>
               <a:ea typeface="STZhongsong" panose="02010600040101010101" pitchFamily="2" charset="-122"/>
             </a:rPr>
             <a:t>论文修改及定稿</a:t>
           </a:r>
-          <a:endParaRPr lang="zh-CN" altLang="en-US" sz="1800" kern="1200" dirty="0">
-            <a:latin typeface="STZhongsong" panose="02010600040101010101" pitchFamily="2" charset="-122"/>
-            <a:ea typeface="STZhongsong" panose="02010600040101010101" pitchFamily="2" charset="-122"/>
-          </a:endParaRPr>
         </a:p>
       </dsp:txBody>
       <dsp:txXfrm>
@@ -12792,7 +12795,7 @@
               <a:latin typeface="STZhongsong" panose="02010600040101010101" pitchFamily="2" charset="-122"/>
               <a:ea typeface="STZhongsong" panose="02010600040101010101" pitchFamily="2" charset="-122"/>
             </a:rPr>
-            <a:t>公司研发部门已连续工作</a:t>
+            <a:t>公司研发部门已工作</a:t>
           </a:r>
           <a:r>
             <a:rPr lang="en-US" sz="1800" kern="1200" dirty="0">
@@ -12806,7 +12809,7 @@
               <a:latin typeface="STZhongsong" panose="02010600040101010101" pitchFamily="2" charset="-122"/>
               <a:ea typeface="STZhongsong" panose="02010600040101010101" pitchFamily="2" charset="-122"/>
             </a:rPr>
-            <a:t>年，一直从事国防技术研发工作，同时兼任研发部门的知识产权管理工作，熟悉公司的技术研发体系、知识产权保护现状等基本情况，在国防领域技术研发、知识产权保护方面积累了较多的实践经验。</a:t>
+            <a:t>年，一直从事国防技术研发工作，同时兼任研发部门的知识产权管理工作，熟悉公司的技术研发体系、知识产权保护现状等基本情况，在国防领域技术研发、知识产权保护方面积累了较多的实践经验</a:t>
           </a:r>
           <a:endParaRPr lang="zh-CN" altLang="en-US" sz="1800" kern="1200" dirty="0">
             <a:solidFill>
@@ -12985,7 +12988,14 @@
               <a:latin typeface="STZhongsong" panose="02010600040101010101" pitchFamily="2" charset="-122"/>
               <a:ea typeface="STZhongsong" panose="02010600040101010101" pitchFamily="2" charset="-122"/>
             </a:rPr>
-            <a:t>在日常工作中，通过集团公司合理的渠道可以获取一定的国防技术创新成果以及知识产权保护相关资料（公开的），为论文的研究提供最新的素材。</a:t>
+            <a:t>在日常工作中，通过集团公司合理的渠道可以获取一定的国防技术创新成果以及知识产权保护相关资料（公开的），为论文的</a:t>
+          </a:r>
+          <a:r>
+            <a:rPr lang="zh-CN" sz="1800" kern="1200">
+              <a:latin typeface="STZhongsong" panose="02010600040101010101" pitchFamily="2" charset="-122"/>
+              <a:ea typeface="STZhongsong" panose="02010600040101010101" pitchFamily="2" charset="-122"/>
+            </a:rPr>
+            <a:t>研究提供素材</a:t>
           </a:r>
           <a:endParaRPr lang="zh-CN" altLang="en-US" sz="1800" kern="1200" dirty="0">
             <a:solidFill>
@@ -13077,7 +13087,7 @@
               <a:ea typeface="STZhongsong" panose="02010600040101010101" pitchFamily="2" charset="-122"/>
               <a:cs typeface="+mn-cs"/>
             </a:rPr>
-            <a:t>研究相关资料</a:t>
+            <a:t>相关资料</a:t>
           </a:r>
           <a:endParaRPr lang="zh-CN" altLang="en-US" sz="2000" kern="1200" dirty="0">
             <a:solidFill>
@@ -20859,7 +20869,7 @@
           <a:p>
             <a:fld id="{7640ABBE-C9D7-41BB-89C0-FAE3C2FBE554}" type="datetimeFigureOut">
               <a:rPr lang="zh-CN" altLang="en-US" smtClean="0"/>
-              <a:t>2018/4/19</a:t>
+              <a:t>2018/4/20</a:t>
             </a:fld>
             <a:endParaRPr lang="zh-CN" altLang="en-US"/>
           </a:p>
@@ -22870,7 +22880,7 @@
           <a:p>
             <a:fld id="{95C02B17-D7FF-4C39-8F3D-F8D75D80E9D8}" type="datetimeFigureOut">
               <a:rPr lang="zh-CN" altLang="en-US" smtClean="0"/>
-              <a:t>2018/4/19</a:t>
+              <a:t>2018/4/20</a:t>
             </a:fld>
             <a:endParaRPr lang="zh-CN" altLang="en-US"/>
           </a:p>
@@ -23038,7 +23048,7 @@
           <a:p>
             <a:fld id="{95C02B17-D7FF-4C39-8F3D-F8D75D80E9D8}" type="datetimeFigureOut">
               <a:rPr lang="zh-CN" altLang="en-US" smtClean="0"/>
-              <a:t>2018/4/19</a:t>
+              <a:t>2018/4/20</a:t>
             </a:fld>
             <a:endParaRPr lang="zh-CN" altLang="en-US"/>
           </a:p>
@@ -23216,7 +23226,7 @@
           <a:p>
             <a:fld id="{95C02B17-D7FF-4C39-8F3D-F8D75D80E9D8}" type="datetimeFigureOut">
               <a:rPr lang="zh-CN" altLang="en-US" smtClean="0"/>
-              <a:t>2018/4/19</a:t>
+              <a:t>2018/4/20</a:t>
             </a:fld>
             <a:endParaRPr lang="zh-CN" altLang="en-US"/>
           </a:p>
@@ -23384,7 +23394,7 @@
           <a:p>
             <a:fld id="{95C02B17-D7FF-4C39-8F3D-F8D75D80E9D8}" type="datetimeFigureOut">
               <a:rPr lang="zh-CN" altLang="en-US" smtClean="0"/>
-              <a:t>2018/4/19</a:t>
+              <a:t>2018/4/20</a:t>
             </a:fld>
             <a:endParaRPr lang="zh-CN" altLang="en-US"/>
           </a:p>
@@ -23629,7 +23639,7 @@
           <a:p>
             <a:fld id="{95C02B17-D7FF-4C39-8F3D-F8D75D80E9D8}" type="datetimeFigureOut">
               <a:rPr lang="zh-CN" altLang="en-US" smtClean="0"/>
-              <a:t>2018/4/19</a:t>
+              <a:t>2018/4/20</a:t>
             </a:fld>
             <a:endParaRPr lang="zh-CN" altLang="en-US"/>
           </a:p>
@@ -23914,7 +23924,7 @@
           <a:p>
             <a:fld id="{95C02B17-D7FF-4C39-8F3D-F8D75D80E9D8}" type="datetimeFigureOut">
               <a:rPr lang="zh-CN" altLang="en-US" smtClean="0"/>
-              <a:t>2018/4/19</a:t>
+              <a:t>2018/4/20</a:t>
             </a:fld>
             <a:endParaRPr lang="zh-CN" altLang="en-US"/>
           </a:p>
@@ -24338,7 +24348,7 @@
           <a:p>
             <a:fld id="{95C02B17-D7FF-4C39-8F3D-F8D75D80E9D8}" type="datetimeFigureOut">
               <a:rPr lang="zh-CN" altLang="en-US" smtClean="0"/>
-              <a:t>2018/4/19</a:t>
+              <a:t>2018/4/20</a:t>
             </a:fld>
             <a:endParaRPr lang="zh-CN" altLang="en-US"/>
           </a:p>
@@ -24455,7 +24465,7 @@
           <a:p>
             <a:fld id="{95C02B17-D7FF-4C39-8F3D-F8D75D80E9D8}" type="datetimeFigureOut">
               <a:rPr lang="zh-CN" altLang="en-US" smtClean="0"/>
-              <a:t>2018/4/19</a:t>
+              <a:t>2018/4/20</a:t>
             </a:fld>
             <a:endParaRPr lang="zh-CN" altLang="en-US"/>
           </a:p>
@@ -24550,7 +24560,7 @@
           <a:p>
             <a:fld id="{95C02B17-D7FF-4C39-8F3D-F8D75D80E9D8}" type="datetimeFigureOut">
               <a:rPr lang="zh-CN" altLang="en-US" smtClean="0"/>
-              <a:t>2018/4/19</a:t>
+              <a:t>2018/4/20</a:t>
             </a:fld>
             <a:endParaRPr lang="zh-CN" altLang="en-US"/>
           </a:p>
@@ -24825,7 +24835,7 @@
           <a:p>
             <a:fld id="{95C02B17-D7FF-4C39-8F3D-F8D75D80E9D8}" type="datetimeFigureOut">
               <a:rPr lang="zh-CN" altLang="en-US" smtClean="0"/>
-              <a:t>2018/4/19</a:t>
+              <a:t>2018/4/20</a:t>
             </a:fld>
             <a:endParaRPr lang="zh-CN" altLang="en-US"/>
           </a:p>
@@ -25077,7 +25087,7 @@
           <a:p>
             <a:fld id="{95C02B17-D7FF-4C39-8F3D-F8D75D80E9D8}" type="datetimeFigureOut">
               <a:rPr lang="zh-CN" altLang="en-US" smtClean="0"/>
-              <a:t>2018/4/19</a:t>
+              <a:t>2018/4/20</a:t>
             </a:fld>
             <a:endParaRPr lang="zh-CN" altLang="en-US"/>
           </a:p>
@@ -25288,7 +25298,7 @@
           <a:p>
             <a:fld id="{95C02B17-D7FF-4C39-8F3D-F8D75D80E9D8}" type="datetimeFigureOut">
               <a:rPr lang="zh-CN" altLang="en-US" smtClean="0"/>
-              <a:t>2018/4/19</a:t>
+              <a:t>2018/4/20</a:t>
             </a:fld>
             <a:endParaRPr lang="zh-CN" altLang="en-US"/>
           </a:p>
@@ -30439,7 +30449,7 @@
             <p:ph idx="1"/>
             <p:extLst>
               <p:ext uri="{D42A27DB-BD31-4B8C-83A1-F6EECF244321}">
-                <p14:modId xmlns:p14="http://schemas.microsoft.com/office/powerpoint/2010/main" val="136171893"/>
+                <p14:modId xmlns:p14="http://schemas.microsoft.com/office/powerpoint/2010/main" val="3609799965"/>
               </p:ext>
             </p:extLst>
           </p:nvPr>
@@ -30623,6 +30633,8 @@
               <a:solidFill>
                 <a:srgbClr val="EEEEEE"/>
               </a:solidFill>
+              <a:latin typeface="STZhongsong" panose="02010600040101010101" pitchFamily="2" charset="-122"/>
+              <a:ea typeface="STZhongsong" panose="02010600040101010101" pitchFamily="2" charset="-122"/>
             </a:endParaRPr>
           </a:p>
         </p:txBody>
@@ -30657,8 +30669,8 @@
                 <a:solidFill>
                   <a:srgbClr val="00B0F0"/>
                 </a:solidFill>
-                <a:latin typeface="方正兰亭细黑_GBK" pitchFamily="2" charset="-122"/>
-                <a:ea typeface="方正兰亭细黑_GBK" pitchFamily="2" charset="-122"/>
+                <a:latin typeface="STZhongsong" panose="02010600040101010101" pitchFamily="2" charset="-122"/>
+                <a:ea typeface="STZhongsong" panose="02010600040101010101" pitchFamily="2" charset="-122"/>
               </a:rPr>
               <a:t>谢谢各位老师！</a:t>
             </a:r>
@@ -30697,8 +30709,8 @@
                 <a:solidFill>
                   <a:schemeClr val="bg1"/>
                 </a:solidFill>
-                <a:latin typeface="方正兰亭细黑_GBK_M" pitchFamily="2" charset="2"/>
-                <a:ea typeface="方正兰亭细黑_GBK_M" pitchFamily="2" charset="2"/>
+                <a:latin typeface="STZhongsong" panose="02010600040101010101" pitchFamily="2" charset="-122"/>
+                <a:ea typeface="STZhongsong" panose="02010600040101010101" pitchFamily="2" charset="-122"/>
                 <a:cs typeface="方正兰亭细黑_GBK_M" pitchFamily="2" charset="2"/>
               </a:rPr>
               <a:t>延时符</a:t>
